--- a/Documentacion/ProyectoBI_Presentacion.pptx
+++ b/Documentacion/ProyectoBI_Presentacion.pptx
@@ -5,10 +5,10 @@
     <p:sldMasterId id="2147483648" r:id="rId1"/>
   </p:sldMasterIdLst>
   <p:notesMasterIdLst>
-    <p:notesMasterId r:id="rId24"/>
+    <p:notesMasterId r:id="rId25"/>
   </p:notesMasterIdLst>
   <p:handoutMasterIdLst>
-    <p:handoutMasterId r:id="rId25"/>
+    <p:handoutMasterId r:id="rId26"/>
   </p:handoutMasterIdLst>
   <p:sldIdLst>
     <p:sldId id="266" r:id="rId2"/>
@@ -33,6 +33,7 @@
     <p:sldId id="341" r:id="rId21"/>
     <p:sldId id="342" r:id="rId22"/>
     <p:sldId id="310" r:id="rId23"/>
+    <p:sldId id="344" r:id="rId24"/>
   </p:sldIdLst>
   <p:sldSz cx="10688638" cy="7562850"/>
   <p:notesSz cx="6858000" cy="9144000"/>
@@ -138,7 +139,7 @@
   </p:defaultTextStyle>
   <p:extLst>
     <p:ext uri="{EFAFB233-063F-42B5-8137-9DF3F51BA10A}">
-      <p15:sldGuideLst xmlns:p15="http://schemas.microsoft.com/office/powerpoint/2012/main">
+      <p15:sldGuideLst xmlns:p15="http://schemas.microsoft.com/office/powerpoint/2012/main" xmlns="">
         <p15:guide id="1" orient="horz" pos="2382">
           <p15:clr>
             <a:srgbClr val="A4A3A4"/>
@@ -152,7 +153,7 @@
       </p15:sldGuideLst>
     </p:ext>
     <p:ext uri="{2D200454-40CA-4A62-9FC3-DE9A4176ACB9}">
-      <p15:notesGuideLst xmlns:p15="http://schemas.microsoft.com/office/powerpoint/2012/main"/>
+      <p15:notesGuideLst xmlns:p15="http://schemas.microsoft.com/office/powerpoint/2012/main" xmlns=""/>
     </p:ext>
   </p:extLst>
 </p:presentation>
@@ -5614,7 +5615,6 @@
               <a:rPr lang="es-EC" sz="2000" dirty="0" smtClean="0"/>
               <a:t> no tenían ningún impacto o relevancia para el clasificador.</a:t>
             </a:r>
-            <a:endParaRPr lang="es-EC" sz="2000" dirty="0" smtClean="0"/>
           </a:p>
         </p:txBody>
       </p:sp>
@@ -5888,13 +5888,7 @@
               <a:rPr lang="en-US" sz="2000" dirty="0">
                 <a:hlinkClick r:id="rId2"/>
               </a:rPr>
-              <a:t>http://</a:t>
-            </a:r>
-            <a:r>
-              <a:rPr lang="en-US" sz="2000" dirty="0">
-                <a:hlinkClick r:id="rId2"/>
-              </a:rPr>
-              <a:t>ocw.uc3m.es/ingenieria-informatica/herramientas-de-la-inteligencia-artificial/contenidos/transparencias/TutorialWeka.pdf</a:t>
+              <a:t>http://ocw.uc3m.es/ingenieria-informatica/herramientas-de-la-inteligencia-artificial/contenidos/transparencias/TutorialWeka.pdf</a:t>
             </a:r>
             <a:endParaRPr lang="en-US" sz="2000" dirty="0"/>
           </a:p>
@@ -5919,6 +5913,128 @@
     <p:extLst>
       <p:ext uri="{BB962C8B-B14F-4D97-AF65-F5344CB8AC3E}">
         <p14:creationId xmlns:p14="http://schemas.microsoft.com/office/powerpoint/2010/main" val="3810248435"/>
+      </p:ext>
+    </p:extLst>
+  </p:cSld>
+  <p:clrMapOvr>
+    <a:masterClrMapping/>
+  </p:clrMapOvr>
+</p:sld>
+</file>
+
+<file path=ppt/slides/slide23.xml><?xml version="1.0" encoding="utf-8"?>
+<p:sld xmlns:a="http://schemas.openxmlformats.org/drawingml/2006/main" xmlns:r="http://schemas.openxmlformats.org/officeDocument/2006/relationships" xmlns:p="http://schemas.openxmlformats.org/presentationml/2006/main">
+  <p:cSld>
+    <p:spTree>
+      <p:nvGrpSpPr>
+        <p:cNvPr id="1" name=""/>
+        <p:cNvGrpSpPr/>
+        <p:nvPr/>
+      </p:nvGrpSpPr>
+      <p:grpSpPr>
+        <a:xfrm>
+          <a:off x="0" y="0"/>
+          <a:ext cx="0" cy="0"/>
+          <a:chOff x="0" y="0"/>
+          <a:chExt cx="0" cy="0"/>
+        </a:xfrm>
+      </p:grpSpPr>
+      <p:sp>
+        <p:nvSpPr>
+          <p:cNvPr id="2" name="1 Marcador de contenido"/>
+          <p:cNvSpPr>
+            <a:spLocks noGrp="1"/>
+          </p:cNvSpPr>
+          <p:nvPr>
+            <p:ph idx="1"/>
+          </p:nvPr>
+        </p:nvSpPr>
+        <p:spPr/>
+        <p:txBody>
+          <a:bodyPr/>
+          <a:lstStyle/>
+          <a:p>
+            <a:r>
+              <a:rPr lang="es-EC" sz="3200" dirty="0"/>
+              <a:t>https://github.com/gracielasgf/workspaceWeka</a:t>
+            </a:r>
+          </a:p>
+        </p:txBody>
+      </p:sp>
+      <p:sp>
+        <p:nvSpPr>
+          <p:cNvPr id="3" name="2 Título"/>
+          <p:cNvSpPr>
+            <a:spLocks noGrp="1"/>
+          </p:cNvSpPr>
+          <p:nvPr>
+            <p:ph type="ctrTitle"/>
+          </p:nvPr>
+        </p:nvSpPr>
+        <p:spPr/>
+        <p:txBody>
+          <a:bodyPr/>
+          <a:lstStyle/>
+          <a:p>
+            <a:r>
+              <a:rPr lang="es-EC" dirty="0" smtClean="0"/>
+              <a:t>Link al </a:t>
+            </a:r>
+            <a:r>
+              <a:rPr lang="es-EC" dirty="0" err="1" smtClean="0"/>
+              <a:t>GitHub</a:t>
+            </a:r>
+            <a:endParaRPr lang="es-EC" dirty="0"/>
+          </a:p>
+        </p:txBody>
+      </p:sp>
+      <p:sp>
+        <p:nvSpPr>
+          <p:cNvPr id="4" name="3 Marcador de pie de página"/>
+          <p:cNvSpPr>
+            <a:spLocks noGrp="1"/>
+          </p:cNvSpPr>
+          <p:nvPr>
+            <p:ph type="ftr" sz="quarter" idx="3"/>
+          </p:nvPr>
+        </p:nvSpPr>
+        <p:spPr/>
+        <p:txBody>
+          <a:bodyPr/>
+          <a:lstStyle/>
+          <a:p>
+            <a:endParaRPr lang="es-ES" dirty="0"/>
+          </a:p>
+        </p:txBody>
+      </p:sp>
+      <p:sp>
+        <p:nvSpPr>
+          <p:cNvPr id="5" name="4 Marcador de número de diapositiva"/>
+          <p:cNvSpPr>
+            <a:spLocks noGrp="1"/>
+          </p:cNvSpPr>
+          <p:nvPr>
+            <p:ph type="sldNum" sz="quarter" idx="4"/>
+          </p:nvPr>
+        </p:nvSpPr>
+        <p:spPr/>
+        <p:txBody>
+          <a:bodyPr/>
+          <a:lstStyle/>
+          <a:p>
+            <a:fld id="{6DE61978-9C47-2A4F-A0B5-1592F1D58BF8}" type="slidenum">
+              <a:rPr lang="es-ES" smtClean="0"/>
+              <a:pPr/>
+              <a:t>23</a:t>
+            </a:fld>
+            <a:endParaRPr lang="es-ES" dirty="0"/>
+          </a:p>
+        </p:txBody>
+      </p:sp>
+    </p:spTree>
+    <p:extLst>
+      <p:ext uri="{BB962C8B-B14F-4D97-AF65-F5344CB8AC3E}">
+        <p14:creationId xmlns:p14="http://schemas.microsoft.com/office/powerpoint/2010/main" val="2556379702"/>
       </p:ext>
     </p:extLst>
   </p:cSld>

--- a/Documentacion/ProyectoBI_Presentacion.pptx
+++ b/Documentacion/ProyectoBI_Presentacion.pptx
@@ -139,7 +139,7 @@
   </p:defaultTextStyle>
   <p:extLst>
     <p:ext uri="{EFAFB233-063F-42B5-8137-9DF3F51BA10A}">
-      <p15:sldGuideLst xmlns:p15="http://schemas.microsoft.com/office/powerpoint/2012/main" xmlns="">
+      <p15:sldGuideLst xmlns="" xmlns:p15="http://schemas.microsoft.com/office/powerpoint/2012/main">
         <p15:guide id="1" orient="horz" pos="2382">
           <p15:clr>
             <a:srgbClr val="A4A3A4"/>
@@ -153,7 +153,7 @@
       </p15:sldGuideLst>
     </p:ext>
     <p:ext uri="{2D200454-40CA-4A62-9FC3-DE9A4176ACB9}">
-      <p15:notesGuideLst xmlns:p15="http://schemas.microsoft.com/office/powerpoint/2012/main" xmlns=""/>
+      <p15:notesGuideLst xmlns="" xmlns:p15="http://schemas.microsoft.com/office/powerpoint/2012/main"/>
     </p:ext>
   </p:extLst>
 </p:presentation>
@@ -5956,8 +5956,9 @@
           <a:p>
             <a:r>
               <a:rPr lang="es-EC" sz="3200" dirty="0"/>
-              <a:t>https://github.com/gracielasgf/workspaceWeka</a:t>
-            </a:r>
+              <a:t>https://github.com/gracielasgf/Clasificador_de_Sentimientos</a:t>
+            </a:r>
+            <a:endParaRPr lang="es-EC" sz="3200" dirty="0"/>
           </a:p>
         </p:txBody>
       </p:sp>
